--- a/WEBBANKING.pptx
+++ b/WEBBANKING.pptx
@@ -12,6 +12,7 @@
     <p:sldId id="260" r:id="rId6"/>
     <p:sldId id="261" r:id="rId7"/>
     <p:sldId id="262" r:id="rId8"/>
+    <p:sldId id="263" r:id="rId9"/>
   </p:sldIdLst>
   <p:sldSz cx="12192000" cy="6858000"/>
   <p:notesSz cx="6858000" cy="9144000"/>
@@ -110,6 +111,11 @@
       </a:defRPr>
     </a:lvl9pPr>
   </p:defaultTextStyle>
+  <p:extLst>
+    <p:ext uri="{EFAFB233-063F-42B5-8137-9DF3F51BA10A}">
+      <p15:sldGuideLst xmlns:p15="http://schemas.microsoft.com/office/powerpoint/2012/main"/>
+    </p:ext>
+  </p:extLst>
 </p:presentation>
 </file>
 
@@ -3474,7 +3480,26 @@
           <a:p>
             <a:r>
               <a:rPr lang="en-US" dirty="0"/>
-              <a:t>()add later</a:t>
+              <a:t>(V0.1)</a:t>
+            </a:r>
+            <a:br>
+              <a:rPr lang="en-US" dirty="0"/>
+            </a:br>
+            <a:r>
+              <a:rPr lang="en-US" dirty="0"/>
+              <a:t>										</a:t>
+            </a:r>
+          </a:p>
+          <a:p>
+            <a:r>
+              <a:rPr lang="en-US" dirty="0"/>
+              <a:t>App_Info.txt								</a:t>
+            </a:r>
+          </a:p>
+          <a:p>
+            <a:r>
+              <a:rPr lang="en-US" dirty="0"/>
+              <a:t>Add more w need()</a:t>
             </a:r>
           </a:p>
         </p:txBody>
@@ -4202,6 +4227,105 @@
     <p:extLst>
       <p:ext uri="{BB962C8B-B14F-4D97-AF65-F5344CB8AC3E}">
         <p14:creationId xmlns:p14="http://schemas.microsoft.com/office/powerpoint/2010/main" val="1661207417"/>
+      </p:ext>
+    </p:extLst>
+  </p:cSld>
+  <p:clrMapOvr>
+    <a:masterClrMapping/>
+  </p:clrMapOvr>
+</p:sld>
+</file>
+
+<file path=ppt/slides/slide8.xml><?xml version="1.0" encoding="utf-8"?>
+<p:sld xmlns:a="http://schemas.openxmlformats.org/drawingml/2006/main" xmlns:r="http://schemas.openxmlformats.org/officeDocument/2006/relationships" xmlns:p="http://schemas.openxmlformats.org/presentationml/2006/main">
+  <p:cSld>
+    <p:spTree>
+      <p:nvGrpSpPr>
+        <p:cNvPr id="1" name=""/>
+        <p:cNvGrpSpPr/>
+        <p:nvPr/>
+      </p:nvGrpSpPr>
+      <p:grpSpPr>
+        <a:xfrm>
+          <a:off x="0" y="0"/>
+          <a:ext cx="0" cy="0"/>
+          <a:chOff x="0" y="0"/>
+          <a:chExt cx="0" cy="0"/>
+        </a:xfrm>
+      </p:grpSpPr>
+      <p:sp>
+        <p:nvSpPr>
+          <p:cNvPr id="2" name="Title 1">
+            <a:extLst>
+              <a:ext uri="{FF2B5EF4-FFF2-40B4-BE49-F238E27FC236}">
+                <a16:creationId xmlns:a16="http://schemas.microsoft.com/office/drawing/2014/main" id="{B4288769-F7AC-83D5-C0D7-2CE067DA76E5}"/>
+              </a:ext>
+            </a:extLst>
+          </p:cNvPr>
+          <p:cNvSpPr>
+            <a:spLocks noGrp="1"/>
+          </p:cNvSpPr>
+          <p:nvPr>
+            <p:ph type="title"/>
+          </p:nvPr>
+        </p:nvSpPr>
+        <p:spPr/>
+        <p:txBody>
+          <a:bodyPr/>
+          <a:lstStyle/>
+          <a:p>
+            <a:r>
+              <a:rPr lang="en-US" dirty="0"/>
+              <a:t>5.Link (doc to learn)</a:t>
+            </a:r>
+          </a:p>
+        </p:txBody>
+      </p:sp>
+      <p:sp>
+        <p:nvSpPr>
+          <p:cNvPr id="3" name="Content Placeholder 2">
+            <a:extLst>
+              <a:ext uri="{FF2B5EF4-FFF2-40B4-BE49-F238E27FC236}">
+                <a16:creationId xmlns:a16="http://schemas.microsoft.com/office/drawing/2014/main" id="{ECE577A8-A9A1-5BB7-1EF5-207EC07380B8}"/>
+              </a:ext>
+            </a:extLst>
+          </p:cNvPr>
+          <p:cNvSpPr>
+            <a:spLocks noGrp="1"/>
+          </p:cNvSpPr>
+          <p:nvPr>
+            <p:ph idx="1"/>
+          </p:nvPr>
+        </p:nvSpPr>
+        <p:spPr/>
+        <p:txBody>
+          <a:bodyPr/>
+          <a:lstStyle/>
+          <a:p>
+            <a:r>
+              <a:rPr lang="en-US" dirty="0"/>
+              <a:t>-https://www.youtube.com/watch?v=SqVfCyfCJqw</a:t>
+            </a:r>
+          </a:p>
+          <a:p>
+            <a:r>
+              <a:rPr lang="en-US" dirty="0"/>
+              <a:t>-This is a sample</a:t>
+            </a:r>
+          </a:p>
+          <a:p>
+            <a:pPr lvl="1"/>
+            <a:r>
+              <a:rPr lang="en-US"/>
+              <a:t>https://github.com/piomin/sample-spring-kafka-microservices</a:t>
+            </a:r>
+          </a:p>
+        </p:txBody>
+      </p:sp>
+    </p:spTree>
+    <p:extLst>
+      <p:ext uri="{BB962C8B-B14F-4D97-AF65-F5344CB8AC3E}">
+        <p14:creationId xmlns:p14="http://schemas.microsoft.com/office/powerpoint/2010/main" val="1891923286"/>
       </p:ext>
     </p:extLst>
   </p:cSld>

--- a/WEBBANKING.pptx
+++ b/WEBBANKING.pptx
@@ -4316,8 +4316,18 @@
           <a:p>
             <a:pPr lvl="1"/>
             <a:r>
-              <a:rPr lang="en-US"/>
+              <a:rPr lang="en-US" dirty="0">
+                <a:hlinkClick r:id="rId2"/>
+              </a:rPr>
               <a:t>https://github.com/piomin/sample-spring-kafka-microservices</a:t>
+            </a:r>
+            <a:endParaRPr lang="en-US" dirty="0"/>
+          </a:p>
+          <a:p>
+            <a:pPr lvl="1"/>
+            <a:r>
+              <a:rPr lang="en-US"/>
+              <a:t>https://github.com/Kharzixen/Microservices-Project-With-Kafka</a:t>
             </a:r>
           </a:p>
         </p:txBody>

--- a/WEBBANKING.pptx
+++ b/WEBBANKING.pptx
@@ -4326,8 +4326,18 @@
           <a:p>
             <a:pPr lvl="1"/>
             <a:r>
-              <a:rPr lang="en-US"/>
+              <a:rPr lang="en-US" dirty="0">
+                <a:hlinkClick r:id="rId3"/>
+              </a:rPr>
               <a:t>https://github.com/Kharzixen/Microservices-Project-With-Kafka</a:t>
+            </a:r>
+            <a:endParaRPr lang="en-US" dirty="0"/>
+          </a:p>
+          <a:p>
+            <a:pPr lvl="1"/>
+            <a:r>
+              <a:rPr lang="en-US"/>
+              <a:t>https://github.com/kartik1502/Spring-Boot-Microservices-Banking-Application</a:t>
             </a:r>
           </a:p>
         </p:txBody>

--- a/WEBBANKING.pptx
+++ b/WEBBANKING.pptx
@@ -13,6 +13,7 @@
     <p:sldId id="261" r:id="rId7"/>
     <p:sldId id="262" r:id="rId8"/>
     <p:sldId id="263" r:id="rId9"/>
+    <p:sldId id="264" r:id="rId10"/>
   </p:sldIdLst>
   <p:sldSz cx="12192000" cy="6858000"/>
   <p:notesSz cx="6858000" cy="9144000"/>
@@ -266,7 +267,7 @@
           <a:p>
             <a:fld id="{49CE391E-1E85-4975-A94D-C6FD30E3A38D}" type="datetimeFigureOut">
               <a:rPr lang="en-US" smtClean="0"/>
-              <a:t>12/31/2024</a:t>
+              <a:t>1/4/2025</a:t>
             </a:fld>
             <a:endParaRPr lang="en-US"/>
           </a:p>
@@ -464,7 +465,7 @@
           <a:p>
             <a:fld id="{49CE391E-1E85-4975-A94D-C6FD30E3A38D}" type="datetimeFigureOut">
               <a:rPr lang="en-US" smtClean="0"/>
-              <a:t>12/31/2024</a:t>
+              <a:t>1/4/2025</a:t>
             </a:fld>
             <a:endParaRPr lang="en-US"/>
           </a:p>
@@ -672,7 +673,7 @@
           <a:p>
             <a:fld id="{49CE391E-1E85-4975-A94D-C6FD30E3A38D}" type="datetimeFigureOut">
               <a:rPr lang="en-US" smtClean="0"/>
-              <a:t>12/31/2024</a:t>
+              <a:t>1/4/2025</a:t>
             </a:fld>
             <a:endParaRPr lang="en-US"/>
           </a:p>
@@ -870,7 +871,7 @@
           <a:p>
             <a:fld id="{49CE391E-1E85-4975-A94D-C6FD30E3A38D}" type="datetimeFigureOut">
               <a:rPr lang="en-US" smtClean="0"/>
-              <a:t>12/31/2024</a:t>
+              <a:t>1/4/2025</a:t>
             </a:fld>
             <a:endParaRPr lang="en-US"/>
           </a:p>
@@ -1145,7 +1146,7 @@
           <a:p>
             <a:fld id="{49CE391E-1E85-4975-A94D-C6FD30E3A38D}" type="datetimeFigureOut">
               <a:rPr lang="en-US" smtClean="0"/>
-              <a:t>12/31/2024</a:t>
+              <a:t>1/4/2025</a:t>
             </a:fld>
             <a:endParaRPr lang="en-US"/>
           </a:p>
@@ -1410,7 +1411,7 @@
           <a:p>
             <a:fld id="{49CE391E-1E85-4975-A94D-C6FD30E3A38D}" type="datetimeFigureOut">
               <a:rPr lang="en-US" smtClean="0"/>
-              <a:t>12/31/2024</a:t>
+              <a:t>1/4/2025</a:t>
             </a:fld>
             <a:endParaRPr lang="en-US"/>
           </a:p>
@@ -1822,7 +1823,7 @@
           <a:p>
             <a:fld id="{49CE391E-1E85-4975-A94D-C6FD30E3A38D}" type="datetimeFigureOut">
               <a:rPr lang="en-US" smtClean="0"/>
-              <a:t>12/31/2024</a:t>
+              <a:t>1/4/2025</a:t>
             </a:fld>
             <a:endParaRPr lang="en-US"/>
           </a:p>
@@ -1963,7 +1964,7 @@
           <a:p>
             <a:fld id="{49CE391E-1E85-4975-A94D-C6FD30E3A38D}" type="datetimeFigureOut">
               <a:rPr lang="en-US" smtClean="0"/>
-              <a:t>12/31/2024</a:t>
+              <a:t>1/4/2025</a:t>
             </a:fld>
             <a:endParaRPr lang="en-US"/>
           </a:p>
@@ -2076,7 +2077,7 @@
           <a:p>
             <a:fld id="{49CE391E-1E85-4975-A94D-C6FD30E3A38D}" type="datetimeFigureOut">
               <a:rPr lang="en-US" smtClean="0"/>
-              <a:t>12/31/2024</a:t>
+              <a:t>1/4/2025</a:t>
             </a:fld>
             <a:endParaRPr lang="en-US"/>
           </a:p>
@@ -2387,7 +2388,7 @@
           <a:p>
             <a:fld id="{49CE391E-1E85-4975-A94D-C6FD30E3A38D}" type="datetimeFigureOut">
               <a:rPr lang="en-US" smtClean="0"/>
-              <a:t>12/31/2024</a:t>
+              <a:t>1/4/2025</a:t>
             </a:fld>
             <a:endParaRPr lang="en-US"/>
           </a:p>
@@ -2675,7 +2676,7 @@
           <a:p>
             <a:fld id="{49CE391E-1E85-4975-A94D-C6FD30E3A38D}" type="datetimeFigureOut">
               <a:rPr lang="en-US" smtClean="0"/>
-              <a:t>12/31/2024</a:t>
+              <a:t>1/4/2025</a:t>
             </a:fld>
             <a:endParaRPr lang="en-US"/>
           </a:p>
@@ -2916,7 +2917,7 @@
           <a:p>
             <a:fld id="{49CE391E-1E85-4975-A94D-C6FD30E3A38D}" type="datetimeFigureOut">
               <a:rPr lang="en-US" smtClean="0"/>
-              <a:t>12/31/2024</a:t>
+              <a:t>1/4/2025</a:t>
             </a:fld>
             <a:endParaRPr lang="en-US"/>
           </a:p>
@@ -4355,6 +4356,123 @@
 </p:sld>
 </file>
 
+<file path=ppt/slides/slide9.xml><?xml version="1.0" encoding="utf-8"?>
+<p:sld xmlns:a="http://schemas.openxmlformats.org/drawingml/2006/main" xmlns:r="http://schemas.openxmlformats.org/officeDocument/2006/relationships" xmlns:p="http://schemas.openxmlformats.org/presentationml/2006/main">
+  <p:cSld>
+    <p:spTree>
+      <p:nvGrpSpPr>
+        <p:cNvPr id="1" name=""/>
+        <p:cNvGrpSpPr/>
+        <p:nvPr/>
+      </p:nvGrpSpPr>
+      <p:grpSpPr>
+        <a:xfrm>
+          <a:off x="0" y="0"/>
+          <a:ext cx="0" cy="0"/>
+          <a:chOff x="0" y="0"/>
+          <a:chExt cx="0" cy="0"/>
+        </a:xfrm>
+      </p:grpSpPr>
+      <p:sp>
+        <p:nvSpPr>
+          <p:cNvPr id="2" name="Title 1">
+            <a:extLst>
+              <a:ext uri="{FF2B5EF4-FFF2-40B4-BE49-F238E27FC236}">
+                <a16:creationId xmlns:a16="http://schemas.microsoft.com/office/drawing/2014/main" id="{8FA420AF-EF22-B78E-A0DB-4A360049B64C}"/>
+              </a:ext>
+            </a:extLst>
+          </p:cNvPr>
+          <p:cNvSpPr>
+            <a:spLocks noGrp="1"/>
+          </p:cNvSpPr>
+          <p:nvPr>
+            <p:ph type="title"/>
+          </p:nvPr>
+        </p:nvSpPr>
+        <p:spPr/>
+        <p:txBody>
+          <a:bodyPr/>
+          <a:lstStyle/>
+          <a:p>
+            <a:r>
+              <a:rPr lang="en-US" dirty="0"/>
+              <a:t>6. Tech</a:t>
+            </a:r>
+          </a:p>
+        </p:txBody>
+      </p:sp>
+      <p:sp>
+        <p:nvSpPr>
+          <p:cNvPr id="3" name="Content Placeholder 2">
+            <a:extLst>
+              <a:ext uri="{FF2B5EF4-FFF2-40B4-BE49-F238E27FC236}">
+                <a16:creationId xmlns:a16="http://schemas.microsoft.com/office/drawing/2014/main" id="{49625F53-5376-A9AD-647F-1CEBFA1BAA21}"/>
+              </a:ext>
+            </a:extLst>
+          </p:cNvPr>
+          <p:cNvSpPr>
+            <a:spLocks noGrp="1"/>
+          </p:cNvSpPr>
+          <p:nvPr>
+            <p:ph idx="1"/>
+          </p:nvPr>
+        </p:nvSpPr>
+        <p:spPr/>
+        <p:txBody>
+          <a:bodyPr/>
+          <a:lstStyle/>
+          <a:p>
+            <a:r>
+              <a:rPr lang="en-US" dirty="0" err="1"/>
+              <a:t>Eruka</a:t>
+            </a:r>
+            <a:br>
+              <a:rPr lang="en-US" dirty="0"/>
+            </a:br>
+            <a:r>
+              <a:rPr lang="en-US" dirty="0"/>
+              <a:t>JWT(Maybe)</a:t>
+            </a:r>
+            <a:br>
+              <a:rPr lang="en-US" dirty="0"/>
+            </a:br>
+            <a:r>
+              <a:rPr lang="en-US" dirty="0"/>
+              <a:t>OAUTH</a:t>
+            </a:r>
+          </a:p>
+          <a:p>
+            <a:r>
+              <a:rPr lang="en-US" dirty="0"/>
+              <a:t>Authenticator(Google)</a:t>
+            </a:r>
+          </a:p>
+          <a:p>
+            <a:r>
+              <a:rPr lang="en-US" dirty="0"/>
+              <a:t>__</a:t>
+            </a:r>
+            <a:r>
+              <a:rPr lang="en-US" dirty="0" err="1"/>
+              <a:t>AddmoreWhenNeeded</a:t>
+            </a:r>
+            <a:endParaRPr lang="en-US" dirty="0"/>
+          </a:p>
+        </p:txBody>
+      </p:sp>
+    </p:spTree>
+    <p:extLst>
+      <p:ext uri="{BB962C8B-B14F-4D97-AF65-F5344CB8AC3E}">
+        <p14:creationId xmlns:p14="http://schemas.microsoft.com/office/powerpoint/2010/main" val="25138634"/>
+      </p:ext>
+    </p:extLst>
+  </p:cSld>
+  <p:clrMapOvr>
+    <a:masterClrMapping/>
+  </p:clrMapOvr>
+</p:sld>
+</file>
+
 <file path=ppt/theme/theme1.xml><?xml version="1.0" encoding="utf-8"?>
 <a:theme xmlns:a="http://schemas.openxmlformats.org/drawingml/2006/main" name="Office Theme">
   <a:themeElements>

--- a/WEBBANKING.pptx
+++ b/WEBBANKING.pptx
@@ -267,7 +267,7 @@
           <a:p>
             <a:fld id="{49CE391E-1E85-4975-A94D-C6FD30E3A38D}" type="datetimeFigureOut">
               <a:rPr lang="en-US" smtClean="0"/>
-              <a:t>1/4/2025</a:t>
+              <a:t>2/24/2025</a:t>
             </a:fld>
             <a:endParaRPr lang="en-US"/>
           </a:p>
@@ -465,7 +465,7 @@
           <a:p>
             <a:fld id="{49CE391E-1E85-4975-A94D-C6FD30E3A38D}" type="datetimeFigureOut">
               <a:rPr lang="en-US" smtClean="0"/>
-              <a:t>1/4/2025</a:t>
+              <a:t>2/24/2025</a:t>
             </a:fld>
             <a:endParaRPr lang="en-US"/>
           </a:p>
@@ -673,7 +673,7 @@
           <a:p>
             <a:fld id="{49CE391E-1E85-4975-A94D-C6FD30E3A38D}" type="datetimeFigureOut">
               <a:rPr lang="en-US" smtClean="0"/>
-              <a:t>1/4/2025</a:t>
+              <a:t>2/24/2025</a:t>
             </a:fld>
             <a:endParaRPr lang="en-US"/>
           </a:p>
@@ -871,7 +871,7 @@
           <a:p>
             <a:fld id="{49CE391E-1E85-4975-A94D-C6FD30E3A38D}" type="datetimeFigureOut">
               <a:rPr lang="en-US" smtClean="0"/>
-              <a:t>1/4/2025</a:t>
+              <a:t>2/24/2025</a:t>
             </a:fld>
             <a:endParaRPr lang="en-US"/>
           </a:p>
@@ -1146,7 +1146,7 @@
           <a:p>
             <a:fld id="{49CE391E-1E85-4975-A94D-C6FD30E3A38D}" type="datetimeFigureOut">
               <a:rPr lang="en-US" smtClean="0"/>
-              <a:t>1/4/2025</a:t>
+              <a:t>2/24/2025</a:t>
             </a:fld>
             <a:endParaRPr lang="en-US"/>
           </a:p>
@@ -1411,7 +1411,7 @@
           <a:p>
             <a:fld id="{49CE391E-1E85-4975-A94D-C6FD30E3A38D}" type="datetimeFigureOut">
               <a:rPr lang="en-US" smtClean="0"/>
-              <a:t>1/4/2025</a:t>
+              <a:t>2/24/2025</a:t>
             </a:fld>
             <a:endParaRPr lang="en-US"/>
           </a:p>
@@ -1823,7 +1823,7 @@
           <a:p>
             <a:fld id="{49CE391E-1E85-4975-A94D-C6FD30E3A38D}" type="datetimeFigureOut">
               <a:rPr lang="en-US" smtClean="0"/>
-              <a:t>1/4/2025</a:t>
+              <a:t>2/24/2025</a:t>
             </a:fld>
             <a:endParaRPr lang="en-US"/>
           </a:p>
@@ -1964,7 +1964,7 @@
           <a:p>
             <a:fld id="{49CE391E-1E85-4975-A94D-C6FD30E3A38D}" type="datetimeFigureOut">
               <a:rPr lang="en-US" smtClean="0"/>
-              <a:t>1/4/2025</a:t>
+              <a:t>2/24/2025</a:t>
             </a:fld>
             <a:endParaRPr lang="en-US"/>
           </a:p>
@@ -2077,7 +2077,7 @@
           <a:p>
             <a:fld id="{49CE391E-1E85-4975-A94D-C6FD30E3A38D}" type="datetimeFigureOut">
               <a:rPr lang="en-US" smtClean="0"/>
-              <a:t>1/4/2025</a:t>
+              <a:t>2/24/2025</a:t>
             </a:fld>
             <a:endParaRPr lang="en-US"/>
           </a:p>
@@ -2388,7 +2388,7 @@
           <a:p>
             <a:fld id="{49CE391E-1E85-4975-A94D-C6FD30E3A38D}" type="datetimeFigureOut">
               <a:rPr lang="en-US" smtClean="0"/>
-              <a:t>1/4/2025</a:t>
+              <a:t>2/24/2025</a:t>
             </a:fld>
             <a:endParaRPr lang="en-US"/>
           </a:p>
@@ -2676,7 +2676,7 @@
           <a:p>
             <a:fld id="{49CE391E-1E85-4975-A94D-C6FD30E3A38D}" type="datetimeFigureOut">
               <a:rPr lang="en-US" smtClean="0"/>
-              <a:t>1/4/2025</a:t>
+              <a:t>2/24/2025</a:t>
             </a:fld>
             <a:endParaRPr lang="en-US"/>
           </a:p>
@@ -2917,7 +2917,7 @@
           <a:p>
             <a:fld id="{49CE391E-1E85-4975-A94D-C6FD30E3A38D}" type="datetimeFigureOut">
               <a:rPr lang="en-US" smtClean="0"/>
-              <a:t>1/4/2025</a:t>
+              <a:t>2/24/2025</a:t>
             </a:fld>
             <a:endParaRPr lang="en-US"/>
           </a:p>
@@ -4458,6 +4458,13 @@
             </a:r>
             <a:endParaRPr lang="en-US" dirty="0"/>
           </a:p>
+          <a:p>
+            <a:r>
+              <a:rPr lang="en-US"/>
+              <a:t>Need logging</a:t>
+            </a:r>
+            <a:endParaRPr lang="en-US" dirty="0"/>
+          </a:p>
         </p:txBody>
       </p:sp>
     </p:spTree>

--- a/WEBBANKING.pptx
+++ b/WEBBANKING.pptx
@@ -267,7 +267,7 @@
           <a:p>
             <a:fld id="{49CE391E-1E85-4975-A94D-C6FD30E3A38D}" type="datetimeFigureOut">
               <a:rPr lang="en-US" smtClean="0"/>
-              <a:t>2/24/2025</a:t>
+              <a:t>3/13/2025</a:t>
             </a:fld>
             <a:endParaRPr lang="en-US"/>
           </a:p>
@@ -465,7 +465,7 @@
           <a:p>
             <a:fld id="{49CE391E-1E85-4975-A94D-C6FD30E3A38D}" type="datetimeFigureOut">
               <a:rPr lang="en-US" smtClean="0"/>
-              <a:t>2/24/2025</a:t>
+              <a:t>3/13/2025</a:t>
             </a:fld>
             <a:endParaRPr lang="en-US"/>
           </a:p>
@@ -673,7 +673,7 @@
           <a:p>
             <a:fld id="{49CE391E-1E85-4975-A94D-C6FD30E3A38D}" type="datetimeFigureOut">
               <a:rPr lang="en-US" smtClean="0"/>
-              <a:t>2/24/2025</a:t>
+              <a:t>3/13/2025</a:t>
             </a:fld>
             <a:endParaRPr lang="en-US"/>
           </a:p>
@@ -871,7 +871,7 @@
           <a:p>
             <a:fld id="{49CE391E-1E85-4975-A94D-C6FD30E3A38D}" type="datetimeFigureOut">
               <a:rPr lang="en-US" smtClean="0"/>
-              <a:t>2/24/2025</a:t>
+              <a:t>3/13/2025</a:t>
             </a:fld>
             <a:endParaRPr lang="en-US"/>
           </a:p>
@@ -1146,7 +1146,7 @@
           <a:p>
             <a:fld id="{49CE391E-1E85-4975-A94D-C6FD30E3A38D}" type="datetimeFigureOut">
               <a:rPr lang="en-US" smtClean="0"/>
-              <a:t>2/24/2025</a:t>
+              <a:t>3/13/2025</a:t>
             </a:fld>
             <a:endParaRPr lang="en-US"/>
           </a:p>
@@ -1411,7 +1411,7 @@
           <a:p>
             <a:fld id="{49CE391E-1E85-4975-A94D-C6FD30E3A38D}" type="datetimeFigureOut">
               <a:rPr lang="en-US" smtClean="0"/>
-              <a:t>2/24/2025</a:t>
+              <a:t>3/13/2025</a:t>
             </a:fld>
             <a:endParaRPr lang="en-US"/>
           </a:p>
@@ -1823,7 +1823,7 @@
           <a:p>
             <a:fld id="{49CE391E-1E85-4975-A94D-C6FD30E3A38D}" type="datetimeFigureOut">
               <a:rPr lang="en-US" smtClean="0"/>
-              <a:t>2/24/2025</a:t>
+              <a:t>3/13/2025</a:t>
             </a:fld>
             <a:endParaRPr lang="en-US"/>
           </a:p>
@@ -1964,7 +1964,7 @@
           <a:p>
             <a:fld id="{49CE391E-1E85-4975-A94D-C6FD30E3A38D}" type="datetimeFigureOut">
               <a:rPr lang="en-US" smtClean="0"/>
-              <a:t>2/24/2025</a:t>
+              <a:t>3/13/2025</a:t>
             </a:fld>
             <a:endParaRPr lang="en-US"/>
           </a:p>
@@ -2077,7 +2077,7 @@
           <a:p>
             <a:fld id="{49CE391E-1E85-4975-A94D-C6FD30E3A38D}" type="datetimeFigureOut">
               <a:rPr lang="en-US" smtClean="0"/>
-              <a:t>2/24/2025</a:t>
+              <a:t>3/13/2025</a:t>
             </a:fld>
             <a:endParaRPr lang="en-US"/>
           </a:p>
@@ -2388,7 +2388,7 @@
           <a:p>
             <a:fld id="{49CE391E-1E85-4975-A94D-C6FD30E3A38D}" type="datetimeFigureOut">
               <a:rPr lang="en-US" smtClean="0"/>
-              <a:t>2/24/2025</a:t>
+              <a:t>3/13/2025</a:t>
             </a:fld>
             <a:endParaRPr lang="en-US"/>
           </a:p>
@@ -2676,7 +2676,7 @@
           <a:p>
             <a:fld id="{49CE391E-1E85-4975-A94D-C6FD30E3A38D}" type="datetimeFigureOut">
               <a:rPr lang="en-US" smtClean="0"/>
-              <a:t>2/24/2025</a:t>
+              <a:t>3/13/2025</a:t>
             </a:fld>
             <a:endParaRPr lang="en-US"/>
           </a:p>
@@ -2917,7 +2917,7 @@
           <a:p>
             <a:fld id="{49CE391E-1E85-4975-A94D-C6FD30E3A38D}" type="datetimeFigureOut">
               <a:rPr lang="en-US" smtClean="0"/>
-              <a:t>2/24/2025</a:t>
+              <a:t>3/13/2025</a:t>
             </a:fld>
             <a:endParaRPr lang="en-US"/>
           </a:p>
@@ -4337,9 +4337,24 @@
           <a:p>
             <a:pPr lvl="1"/>
             <a:r>
-              <a:rPr lang="en-US"/>
+              <a:rPr lang="en-US" dirty="0">
+                <a:hlinkClick r:id="rId4"/>
+              </a:rPr>
               <a:t>https://github.com/kartik1502/Spring-Boot-Microservices-Banking-Application</a:t>
             </a:r>
+            <a:endParaRPr lang="en-US" dirty="0"/>
+          </a:p>
+          <a:p>
+            <a:pPr lvl="1"/>
+            <a:r>
+              <a:rPr lang="en-US" dirty="0"/>
+              <a:t>https://github.com/anjaliasha123</a:t>
+            </a:r>
+            <a:r>
+              <a:rPr lang="en-US"/>
+              <a:t>/Loan-Microservices</a:t>
+            </a:r>
+            <a:endParaRPr lang="en-US" dirty="0"/>
           </a:p>
         </p:txBody>
       </p:sp>

--- a/WEBBANKING.pptx
+++ b/WEBBANKING.pptx
@@ -267,7 +267,7 @@
           <a:p>
             <a:fld id="{49CE391E-1E85-4975-A94D-C6FD30E3A38D}" type="datetimeFigureOut">
               <a:rPr lang="en-US" smtClean="0"/>
-              <a:t>3/13/2025</a:t>
+              <a:t>3/16/2025</a:t>
             </a:fld>
             <a:endParaRPr lang="en-US"/>
           </a:p>
@@ -465,7 +465,7 @@
           <a:p>
             <a:fld id="{49CE391E-1E85-4975-A94D-C6FD30E3A38D}" type="datetimeFigureOut">
               <a:rPr lang="en-US" smtClean="0"/>
-              <a:t>3/13/2025</a:t>
+              <a:t>3/16/2025</a:t>
             </a:fld>
             <a:endParaRPr lang="en-US"/>
           </a:p>
@@ -673,7 +673,7 @@
           <a:p>
             <a:fld id="{49CE391E-1E85-4975-A94D-C6FD30E3A38D}" type="datetimeFigureOut">
               <a:rPr lang="en-US" smtClean="0"/>
-              <a:t>3/13/2025</a:t>
+              <a:t>3/16/2025</a:t>
             </a:fld>
             <a:endParaRPr lang="en-US"/>
           </a:p>
@@ -871,7 +871,7 @@
           <a:p>
             <a:fld id="{49CE391E-1E85-4975-A94D-C6FD30E3A38D}" type="datetimeFigureOut">
               <a:rPr lang="en-US" smtClean="0"/>
-              <a:t>3/13/2025</a:t>
+              <a:t>3/16/2025</a:t>
             </a:fld>
             <a:endParaRPr lang="en-US"/>
           </a:p>
@@ -1146,7 +1146,7 @@
           <a:p>
             <a:fld id="{49CE391E-1E85-4975-A94D-C6FD30E3A38D}" type="datetimeFigureOut">
               <a:rPr lang="en-US" smtClean="0"/>
-              <a:t>3/13/2025</a:t>
+              <a:t>3/16/2025</a:t>
             </a:fld>
             <a:endParaRPr lang="en-US"/>
           </a:p>
@@ -1411,7 +1411,7 @@
           <a:p>
             <a:fld id="{49CE391E-1E85-4975-A94D-C6FD30E3A38D}" type="datetimeFigureOut">
               <a:rPr lang="en-US" smtClean="0"/>
-              <a:t>3/13/2025</a:t>
+              <a:t>3/16/2025</a:t>
             </a:fld>
             <a:endParaRPr lang="en-US"/>
           </a:p>
@@ -1823,7 +1823,7 @@
           <a:p>
             <a:fld id="{49CE391E-1E85-4975-A94D-C6FD30E3A38D}" type="datetimeFigureOut">
               <a:rPr lang="en-US" smtClean="0"/>
-              <a:t>3/13/2025</a:t>
+              <a:t>3/16/2025</a:t>
             </a:fld>
             <a:endParaRPr lang="en-US"/>
           </a:p>
@@ -1964,7 +1964,7 @@
           <a:p>
             <a:fld id="{49CE391E-1E85-4975-A94D-C6FD30E3A38D}" type="datetimeFigureOut">
               <a:rPr lang="en-US" smtClean="0"/>
-              <a:t>3/13/2025</a:t>
+              <a:t>3/16/2025</a:t>
             </a:fld>
             <a:endParaRPr lang="en-US"/>
           </a:p>
@@ -2077,7 +2077,7 @@
           <a:p>
             <a:fld id="{49CE391E-1E85-4975-A94D-C6FD30E3A38D}" type="datetimeFigureOut">
               <a:rPr lang="en-US" smtClean="0"/>
-              <a:t>3/13/2025</a:t>
+              <a:t>3/16/2025</a:t>
             </a:fld>
             <a:endParaRPr lang="en-US"/>
           </a:p>
@@ -2388,7 +2388,7 @@
           <a:p>
             <a:fld id="{49CE391E-1E85-4975-A94D-C6FD30E3A38D}" type="datetimeFigureOut">
               <a:rPr lang="en-US" smtClean="0"/>
-              <a:t>3/13/2025</a:t>
+              <a:t>3/16/2025</a:t>
             </a:fld>
             <a:endParaRPr lang="en-US"/>
           </a:p>
@@ -2676,7 +2676,7 @@
           <a:p>
             <a:fld id="{49CE391E-1E85-4975-A94D-C6FD30E3A38D}" type="datetimeFigureOut">
               <a:rPr lang="en-US" smtClean="0"/>
-              <a:t>3/13/2025</a:t>
+              <a:t>3/16/2025</a:t>
             </a:fld>
             <a:endParaRPr lang="en-US"/>
           </a:p>
@@ -2917,7 +2917,7 @@
           <a:p>
             <a:fld id="{49CE391E-1E85-4975-A94D-C6FD30E3A38D}" type="datetimeFigureOut">
               <a:rPr lang="en-US" smtClean="0"/>
-              <a:t>3/13/2025</a:t>
+              <a:t>3/16/2025</a:t>
             </a:fld>
             <a:endParaRPr lang="en-US"/>
           </a:p>
@@ -4475,8 +4475,14 @@
           </a:p>
           <a:p>
             <a:r>
-              <a:rPr lang="en-US"/>
+              <a:rPr lang="en-US" dirty="0"/>
               <a:t>Need logging</a:t>
+            </a:r>
+          </a:p>
+          <a:p>
+            <a:r>
+              <a:rPr lang="en-US"/>
+              <a:t>keyCloak</a:t>
             </a:r>
             <a:endParaRPr lang="en-US" dirty="0"/>
           </a:p>
